--- a/presentation.pptx
+++ b/presentation.pptx
@@ -20,8 +20,8 @@
     <p:sldId id="270" r:id="rId11"/>
     <p:sldId id="261" r:id="rId12"/>
     <p:sldId id="271" r:id="rId13"/>
-    <p:sldId id="262" r:id="rId14"/>
-    <p:sldId id="272" r:id="rId15"/>
+    <p:sldId id="273" r:id="rId14"/>
+    <p:sldId id="262" r:id="rId15"/>
     <p:sldId id="266" r:id="rId16"/>
     <p:sldId id="265" r:id="rId17"/>
     <p:sldId id="267" r:id="rId18"/>
@@ -144,8 +144,8 @@
             <p14:sldId id="270"/>
             <p14:sldId id="261"/>
             <p14:sldId id="271"/>
+            <p14:sldId id="273"/>
             <p14:sldId id="262"/>
-            <p14:sldId id="272"/>
             <p14:sldId id="266"/>
             <p14:sldId id="265"/>
             <p14:sldId id="267"/>
@@ -735,7 +735,7 @@
             <a:fld id="{5586B75A-687E-405C-8A0B-8D00578BA2C3}" type="datetimeFigureOut">
               <a:rPr lang="en-US" dirty="0"/>
               <a:pPr/>
-              <a:t>4/25/17</a:t>
+              <a:t>4/26/17</a:t>
             </a:fld>
             <a:endParaRPr lang="en-US" dirty="0"/>
           </a:p>
@@ -902,7 +902,7 @@
             <a:fld id="{5586B75A-687E-405C-8A0B-8D00578BA2C3}" type="datetimeFigureOut">
               <a:rPr lang="en-US" dirty="0"/>
               <a:pPr/>
-              <a:t>4/25/17</a:t>
+              <a:t>4/26/17</a:t>
             </a:fld>
             <a:endParaRPr lang="en-US" dirty="0"/>
           </a:p>
@@ -1079,7 +1079,7 @@
             <a:fld id="{5586B75A-687E-405C-8A0B-8D00578BA2C3}" type="datetimeFigureOut">
               <a:rPr lang="en-US" dirty="0"/>
               <a:pPr/>
-              <a:t>4/25/17</a:t>
+              <a:t>4/26/17</a:t>
             </a:fld>
             <a:endParaRPr lang="en-US" dirty="0"/>
           </a:p>
@@ -1246,7 +1246,7 @@
             <a:fld id="{5586B75A-687E-405C-8A0B-8D00578BA2C3}" type="datetimeFigureOut">
               <a:rPr lang="en-US" dirty="0"/>
               <a:pPr/>
-              <a:t>4/25/17</a:t>
+              <a:t>4/26/17</a:t>
             </a:fld>
             <a:endParaRPr lang="en-US" dirty="0"/>
           </a:p>
@@ -1501,7 +1501,7 @@
             <a:fld id="{5586B75A-687E-405C-8A0B-8D00578BA2C3}" type="datetimeFigureOut">
               <a:rPr lang="en-US" dirty="0"/>
               <a:pPr/>
-              <a:t>4/25/17</a:t>
+              <a:t>4/26/17</a:t>
             </a:fld>
             <a:endParaRPr lang="en-US" dirty="0"/>
           </a:p>
@@ -1786,7 +1786,7 @@
             <a:fld id="{5586B75A-687E-405C-8A0B-8D00578BA2C3}" type="datetimeFigureOut">
               <a:rPr lang="en-US" dirty="0"/>
               <a:pPr/>
-              <a:t>4/25/17</a:t>
+              <a:t>4/26/17</a:t>
             </a:fld>
             <a:endParaRPr lang="en-US" dirty="0"/>
           </a:p>
@@ -2225,7 +2225,7 @@
             <a:fld id="{5586B75A-687E-405C-8A0B-8D00578BA2C3}" type="datetimeFigureOut">
               <a:rPr lang="en-US" dirty="0"/>
               <a:pPr/>
-              <a:t>4/25/17</a:t>
+              <a:t>4/26/17</a:t>
             </a:fld>
             <a:endParaRPr lang="en-US" dirty="0"/>
           </a:p>
@@ -2340,7 +2340,7 @@
             <a:fld id="{5586B75A-687E-405C-8A0B-8D00578BA2C3}" type="datetimeFigureOut">
               <a:rPr lang="en-US" dirty="0"/>
               <a:pPr/>
-              <a:t>4/25/17</a:t>
+              <a:t>4/26/17</a:t>
             </a:fld>
             <a:endParaRPr lang="en-US" dirty="0"/>
           </a:p>
@@ -2432,7 +2432,7 @@
             <a:fld id="{5586B75A-687E-405C-8A0B-8D00578BA2C3}" type="datetimeFigureOut">
               <a:rPr lang="en-US" dirty="0"/>
               <a:pPr/>
-              <a:t>4/25/17</a:t>
+              <a:t>4/26/17</a:t>
             </a:fld>
             <a:endParaRPr lang="en-US" dirty="0"/>
           </a:p>
@@ -2717,7 +2717,7 @@
             <a:fld id="{5586B75A-687E-405C-8A0B-8D00578BA2C3}" type="datetimeFigureOut">
               <a:rPr lang="en-US" dirty="0"/>
               <a:pPr/>
-              <a:t>4/25/17</a:t>
+              <a:t>4/26/17</a:t>
             </a:fld>
             <a:endParaRPr lang="en-US" dirty="0"/>
           </a:p>
@@ -2987,7 +2987,7 @@
             <a:fld id="{5586B75A-687E-405C-8A0B-8D00578BA2C3}" type="datetimeFigureOut">
               <a:rPr lang="en-US" dirty="0"/>
               <a:pPr/>
-              <a:t>4/25/17</a:t>
+              <a:t>4/26/17</a:t>
             </a:fld>
             <a:endParaRPr lang="en-US" dirty="0"/>
           </a:p>
@@ -3281,7 +3281,7 @@
             <a:fld id="{5586B75A-687E-405C-8A0B-8D00578BA2C3}" type="datetimeFigureOut">
               <a:rPr lang="en-US" dirty="0"/>
               <a:pPr/>
-              <a:t>4/25/17</a:t>
+              <a:t>4/26/17</a:t>
             </a:fld>
             <a:endParaRPr lang="en-US" dirty="0"/>
           </a:p>
@@ -3898,20 +3898,16 @@
           </a:p>
           <a:p>
             <a:r>
+              <a:rPr lang="en-US" altLang="zh-CN" sz="2400" dirty="0"/>
+              <a:t>Small size of training set</a:t>
+            </a:r>
+          </a:p>
+          <a:p>
+            <a:r>
               <a:rPr lang="en-US" altLang="zh-CN" sz="2400" dirty="0" smtClean="0"/>
-              <a:t>Small size </a:t>
+              <a:t>Lemmatization may help</a:t>
             </a:r>
             <a:endParaRPr lang="en-US" altLang="zh-CN" sz="2400" dirty="0" smtClean="0"/>
-          </a:p>
-          <a:p>
-            <a:r>
-              <a:rPr lang="en-US" altLang="zh-CN" sz="2400" dirty="0" smtClean="0"/>
-              <a:t>Lemmatization </a:t>
-            </a:r>
-            <a:r>
-              <a:rPr lang="en-US" altLang="zh-CN" sz="2400" dirty="0" smtClean="0"/>
-              <a:t>may help</a:t>
-            </a:r>
           </a:p>
         </p:txBody>
       </p:sp>
@@ -3973,11 +3969,7 @@
             </a:br>
             <a:r>
               <a:rPr lang="en-US" sz="2800" dirty="0" smtClean="0"/>
-              <a:t>- </a:t>
-            </a:r>
-            <a:r>
-              <a:rPr lang="en-US" sz="2800" dirty="0" smtClean="0"/>
-              <a:t>Syntactic features</a:t>
+              <a:t>- Syntactic features</a:t>
             </a:r>
             <a:endParaRPr lang="en-US" sz="2800" dirty="0"/>
           </a:p>
@@ -4115,25 +4107,13 @@
           <a:p>
             <a:r>
               <a:rPr lang="en-US" sz="2400" dirty="0" smtClean="0"/>
-              <a:t>“</a:t>
-            </a:r>
+              <a:t>“Hard words” with the same types tend to be clustered together</a:t>
+            </a:r>
+          </a:p>
+          <a:p>
             <a:r>
               <a:rPr lang="en-US" sz="2400" dirty="0" smtClean="0"/>
-              <a:t>Hard words” </a:t>
-            </a:r>
-            <a:r>
-              <a:rPr lang="en-US" sz="2400" dirty="0" smtClean="0"/>
-              <a:t>with the same types tend to be clustered together</a:t>
-            </a:r>
-          </a:p>
-          <a:p>
-            <a:r>
-              <a:rPr lang="en-US" sz="2400" dirty="0" smtClean="0"/>
-              <a:t>Higher </a:t>
-            </a:r>
-            <a:r>
-              <a:rPr lang="en-US" sz="2400" dirty="0" smtClean="0"/>
-              <a:t>ratio for the new cluster </a:t>
+              <a:t>Higher ratio for the new cluster </a:t>
             </a:r>
             <a:r>
               <a:rPr lang="en-US" sz="2400" dirty="0" smtClean="0">
@@ -4187,82 +4167,102 @@
           <a:chExt cx="0" cy="0"/>
         </a:xfrm>
       </p:grpSpPr>
-      <p:pic>
-        <p:nvPicPr>
-          <p:cNvPr id="5" name="Content Placeholder 4"/>
-          <p:cNvPicPr>
-            <a:picLocks noGrp="1" noChangeAspect="1"/>
-          </p:cNvPicPr>
+      <p:sp>
+        <p:nvSpPr>
+          <p:cNvPr id="2" name="Title 1"/>
+          <p:cNvSpPr>
+            <a:spLocks noGrp="1"/>
+          </p:cNvSpPr>
+          <p:nvPr>
+            <p:ph type="title"/>
+          </p:nvPr>
+        </p:nvSpPr>
+        <p:spPr/>
+        <p:txBody>
+          <a:bodyPr/>
+          <a:lstStyle/>
+          <a:p>
+            <a:r>
+              <a:rPr lang="en-US" dirty="0"/>
+              <a:t>Analysis</a:t>
+            </a:r>
+            <a:br>
+              <a:rPr lang="en-US" dirty="0"/>
+            </a:br>
+            <a:r>
+              <a:rPr lang="en-US" sz="2800" dirty="0" smtClean="0"/>
+              <a:t>- POS tags, NER</a:t>
+            </a:r>
+            <a:endParaRPr lang="en-US" sz="2800" dirty="0"/>
+          </a:p>
+        </p:txBody>
+      </p:sp>
+      <p:sp>
+        <p:nvSpPr>
+          <p:cNvPr id="3" name="Content Placeholder 2"/>
+          <p:cNvSpPr>
+            <a:spLocks noGrp="1"/>
+          </p:cNvSpPr>
           <p:nvPr>
             <p:ph idx="1"/>
           </p:nvPr>
-        </p:nvPicPr>
-        <p:blipFill>
-          <a:blip r:embed="rId2">
-            <a:extLst>
-              <a:ext uri="{28A0092B-C50C-407E-A947-70E740481C1C}">
-                <a14:useLocalDpi xmlns:a14="http://schemas.microsoft.com/office/drawing/2010/main" val="0"/>
-              </a:ext>
-            </a:extLst>
-          </a:blip>
-          <a:stretch>
-            <a:fillRect/>
-          </a:stretch>
-        </p:blipFill>
-        <p:spPr>
-          <a:xfrm>
-            <a:off x="3868738" y="1785883"/>
-            <a:ext cx="7315200" cy="3276708"/>
-          </a:xfrm>
-        </p:spPr>
-      </p:pic>
-      <p:sp>
-        <p:nvSpPr>
-          <p:cNvPr id="9" name="Title 1"/>
-          <p:cNvSpPr>
-            <a:spLocks noGrp="1"/>
-          </p:cNvSpPr>
-          <p:nvPr>
-            <p:ph type="title"/>
-          </p:nvPr>
-        </p:nvSpPr>
-        <p:spPr>
-          <a:xfrm>
-            <a:off x="252919" y="1123837"/>
-            <a:ext cx="2947482" cy="4601183"/>
-          </a:xfrm>
-        </p:spPr>
-        <p:txBody>
-          <a:bodyPr/>
-          <a:lstStyle/>
-          <a:p>
-            <a:r>
-              <a:rPr lang="en-US" dirty="0"/>
-              <a:t>Experiments </a:t>
-            </a:r>
-            <a:r>
-              <a:rPr lang="en-US" dirty="0" smtClean="0"/>
-              <a:t/>
-            </a:r>
-            <a:br>
-              <a:rPr lang="en-US" dirty="0" smtClean="0"/>
-            </a:br>
-            <a:r>
-              <a:rPr lang="en-US" sz="2800" dirty="0" smtClean="0"/>
-              <a:t>- </a:t>
-            </a:r>
-            <a:r>
-              <a:rPr lang="en-US" sz="2800" dirty="0" smtClean="0"/>
-              <a:t>Combinations</a:t>
-            </a:r>
-            <a:endParaRPr lang="en-US" sz="2800" dirty="0"/>
+        </p:nvSpPr>
+        <p:spPr/>
+        <p:txBody>
+          <a:bodyPr>
+            <a:normAutofit/>
+          </a:bodyPr>
+          <a:lstStyle/>
+          <a:p>
+            <a:r>
+              <a:rPr lang="en-US" sz="2400" dirty="0"/>
+              <a:t>Works </a:t>
+            </a:r>
+            <a:r>
+              <a:rPr lang="en-US" sz="2400" dirty="0"/>
+              <a:t>moderately well alone</a:t>
+            </a:r>
+            <a:endParaRPr lang="en-US" sz="2400" dirty="0"/>
+          </a:p>
+          <a:p>
+            <a:r>
+              <a:rPr lang="en-US" sz="2400" dirty="0" smtClean="0"/>
+              <a:t>Similar to Brown </a:t>
+            </a:r>
+            <a:r>
+              <a:rPr lang="en-US" sz="2400" dirty="0" smtClean="0"/>
+              <a:t>Cluster</a:t>
+            </a:r>
+          </a:p>
+          <a:p>
+            <a:pPr lvl="1"/>
+            <a:r>
+              <a:rPr lang="en-US" sz="2200" dirty="0" smtClean="0"/>
+              <a:t>Word </a:t>
+            </a:r>
+            <a:r>
+              <a:rPr lang="en-US" sz="2200" dirty="0"/>
+              <a:t>difficulty</a:t>
+            </a:r>
+          </a:p>
+          <a:p>
+            <a:pPr lvl="1"/>
+            <a:r>
+              <a:rPr lang="en-US" sz="2200" dirty="0"/>
+              <a:t>Unknown </a:t>
+            </a:r>
+            <a:r>
+              <a:rPr lang="en-US" sz="2200" dirty="0" smtClean="0"/>
+              <a:t>words</a:t>
+            </a:r>
+            <a:endParaRPr lang="en-US" sz="2200" dirty="0"/>
           </a:p>
         </p:txBody>
       </p:sp>
     </p:spTree>
     <p:extLst>
       <p:ext uri="{BB962C8B-B14F-4D97-AF65-F5344CB8AC3E}">
-        <p14:creationId xmlns:p14="http://schemas.microsoft.com/office/powerpoint/2010/main" val="1424493559"/>
+        <p14:creationId xmlns:p14="http://schemas.microsoft.com/office/powerpoint/2010/main" val="2069049112"/>
       </p:ext>
     </p:extLst>
   </p:cSld>
@@ -4289,9 +4289,38 @@
           <a:chExt cx="0" cy="0"/>
         </a:xfrm>
       </p:grpSpPr>
-      <p:sp>
-        <p:nvSpPr>
-          <p:cNvPr id="2" name="Title 1"/>
+      <p:pic>
+        <p:nvPicPr>
+          <p:cNvPr id="5" name="Content Placeholder 4"/>
+          <p:cNvPicPr>
+            <a:picLocks noGrp="1" noChangeAspect="1"/>
+          </p:cNvPicPr>
+          <p:nvPr>
+            <p:ph idx="1"/>
+          </p:nvPr>
+        </p:nvPicPr>
+        <p:blipFill>
+          <a:blip r:embed="rId2">
+            <a:extLst>
+              <a:ext uri="{28A0092B-C50C-407E-A947-70E740481C1C}">
+                <a14:useLocalDpi xmlns:a14="http://schemas.microsoft.com/office/drawing/2010/main" val="0"/>
+              </a:ext>
+            </a:extLst>
+          </a:blip>
+          <a:stretch>
+            <a:fillRect/>
+          </a:stretch>
+        </p:blipFill>
+        <p:spPr>
+          <a:xfrm>
+            <a:off x="3868738" y="1785883"/>
+            <a:ext cx="7315200" cy="3276708"/>
+          </a:xfrm>
+        </p:spPr>
+      </p:pic>
+      <p:sp>
+        <p:nvSpPr>
+          <p:cNvPr id="9" name="Title 1"/>
           <p:cNvSpPr>
             <a:spLocks noGrp="1"/>
           </p:cNvSpPr>
@@ -4299,101 +4328,39 @@
             <p:ph type="title"/>
           </p:nvPr>
         </p:nvSpPr>
-        <p:spPr/>
+        <p:spPr>
+          <a:xfrm>
+            <a:off x="252919" y="1123837"/>
+            <a:ext cx="2947482" cy="4601183"/>
+          </a:xfrm>
+        </p:spPr>
         <p:txBody>
           <a:bodyPr/>
           <a:lstStyle/>
           <a:p>
             <a:r>
               <a:rPr lang="en-US" dirty="0"/>
-              <a:t>Analysis</a:t>
+              <a:t>Experiments </a:t>
+            </a:r>
+            <a:r>
+              <a:rPr lang="en-US" dirty="0" smtClean="0"/>
+              <a:t/>
             </a:r>
             <a:br>
-              <a:rPr lang="en-US" dirty="0"/>
+              <a:rPr lang="en-US" dirty="0" smtClean="0"/>
             </a:br>
             <a:r>
               <a:rPr lang="en-US" sz="2800" dirty="0" smtClean="0"/>
-              <a:t>- </a:t>
-            </a:r>
-            <a:r>
-              <a:rPr lang="en-US" sz="2800" dirty="0" smtClean="0"/>
-              <a:t>Combinations</a:t>
+              <a:t>- Combinations</a:t>
             </a:r>
             <a:endParaRPr lang="en-US" sz="2800" dirty="0"/>
-          </a:p>
-        </p:txBody>
-      </p:sp>
-      <p:sp>
-        <p:nvSpPr>
-          <p:cNvPr id="3" name="Content Placeholder 2"/>
-          <p:cNvSpPr>
-            <a:spLocks noGrp="1"/>
-          </p:cNvSpPr>
-          <p:nvPr>
-            <p:ph idx="1"/>
-          </p:nvPr>
-        </p:nvSpPr>
-        <p:spPr/>
-        <p:txBody>
-          <a:bodyPr>
-            <a:normAutofit/>
-          </a:bodyPr>
-          <a:lstStyle/>
-          <a:p>
-            <a:r>
-              <a:rPr lang="en-US" sz="2400" dirty="0" smtClean="0"/>
-              <a:t>POS tags, NER labels</a:t>
-            </a:r>
-          </a:p>
-          <a:p>
-            <a:r>
-              <a:rPr lang="en-US" sz="2400" dirty="0" smtClean="0"/>
-              <a:t>Works </a:t>
-            </a:r>
-            <a:r>
-              <a:rPr lang="en-US" sz="2400" dirty="0" smtClean="0"/>
-              <a:t>moderately well </a:t>
-            </a:r>
-            <a:r>
-              <a:rPr lang="en-US" sz="2400" dirty="0" smtClean="0"/>
-              <a:t>alone</a:t>
-            </a:r>
-          </a:p>
-          <a:p>
-            <a:r>
-              <a:rPr lang="en-US" sz="2400" dirty="0" smtClean="0"/>
-              <a:t>“Sort of similar”  </a:t>
-            </a:r>
-            <a:r>
-              <a:rPr lang="en-US" sz="2400" dirty="0" smtClean="0"/>
-              <a:t>to Brown </a:t>
-            </a:r>
-            <a:r>
-              <a:rPr lang="en-US" sz="2400" dirty="0" smtClean="0"/>
-              <a:t>Cluster </a:t>
-            </a:r>
-          </a:p>
-          <a:p>
-            <a:pPr lvl="1"/>
-            <a:r>
-              <a:rPr lang="en-US" sz="2200" dirty="0" smtClean="0"/>
-              <a:t>Word difficulty</a:t>
-            </a:r>
-          </a:p>
-          <a:p>
-            <a:pPr lvl="1"/>
-            <a:r>
-              <a:rPr lang="en-US" sz="2200" dirty="0" smtClean="0"/>
-              <a:t>Unknown words</a:t>
-            </a:r>
-            <a:endParaRPr lang="en-US" sz="2200" dirty="0" smtClean="0"/>
           </a:p>
         </p:txBody>
       </p:sp>
     </p:spTree>
     <p:extLst>
       <p:ext uri="{BB962C8B-B14F-4D97-AF65-F5344CB8AC3E}">
-        <p14:creationId xmlns:p14="http://schemas.microsoft.com/office/powerpoint/2010/main" val="565818388"/>
+        <p14:creationId xmlns:p14="http://schemas.microsoft.com/office/powerpoint/2010/main" val="1424493559"/>
       </p:ext>
     </p:extLst>
   </p:cSld>
@@ -4546,7 +4513,6 @@
               <a:rPr lang="en-US" sz="2400" dirty="0" smtClean="0"/>
               <a:t>Did not use</a:t>
             </a:r>
-            <a:endParaRPr lang="en-US" sz="2400" dirty="0" smtClean="0"/>
           </a:p>
           <a:p>
             <a:r>
@@ -4645,6 +4611,12 @@
           <a:lstStyle/>
           <a:p>
             <a:r>
+              <a:rPr lang="en-US" altLang="zh-CN" sz="2400" dirty="0"/>
+              <a:t>Lemmatization </a:t>
+            </a:r>
+          </a:p>
+          <a:p>
+            <a:r>
               <a:rPr lang="en-US" sz="2400" dirty="0" smtClean="0"/>
               <a:t>Relationship </a:t>
             </a:r>
@@ -4660,19 +4632,8 @@
           <a:p>
             <a:r>
               <a:rPr lang="en-US" sz="2400" dirty="0" smtClean="0"/>
-              <a:t>Filter out noise </a:t>
-            </a:r>
-            <a:r>
-              <a:rPr lang="en-US" sz="2400" dirty="0" smtClean="0"/>
-              <a:t>data</a:t>
-            </a:r>
-          </a:p>
-          <a:p>
-            <a:r>
-              <a:rPr lang="en-US" sz="2400" dirty="0" smtClean="0"/>
-              <a:t>Lemma</a:t>
-            </a:r>
-            <a:endParaRPr lang="en-US" sz="2400" dirty="0" smtClean="0"/>
+              <a:t>Filter out noise data</a:t>
+            </a:r>
           </a:p>
           <a:p>
             <a:r>
@@ -4685,27 +4646,13 @@
             </a:r>
             <a:r>
               <a:rPr lang="en-US" sz="2400" dirty="0" smtClean="0"/>
-              <a:t>data set with the training set</a:t>
-            </a:r>
-          </a:p>
-          <a:p>
+              <a:t>data set with the training </a:t>
+            </a:r>
             <a:r>
               <a:rPr lang="en-US" sz="2400" dirty="0" smtClean="0"/>
-              <a:t>Multi-class </a:t>
-            </a:r>
-            <a:r>
-              <a:rPr lang="en-US" sz="2400" dirty="0" smtClean="0"/>
-              <a:t>classifier </a:t>
-            </a:r>
-            <a:r>
-              <a:rPr lang="en-US" sz="2400" dirty="0"/>
-              <a:t>rather than </a:t>
-            </a:r>
-            <a:r>
-              <a:rPr lang="en-US" sz="2400" dirty="0" smtClean="0"/>
-              <a:t>regression</a:t>
-            </a:r>
-            <a:endParaRPr lang="en-US" sz="2400" dirty="0"/>
+              <a:t>set</a:t>
+            </a:r>
+            <a:endParaRPr lang="en-US" sz="2400" dirty="0" smtClean="0"/>
           </a:p>
         </p:txBody>
       </p:sp>
@@ -4773,8 +4720,8 @@
         </p:nvSpPr>
         <p:spPr>
           <a:xfrm>
-            <a:off x="3869267" y="864108"/>
-            <a:ext cx="8492945" cy="5120640"/>
+            <a:off x="3869268" y="864108"/>
+            <a:ext cx="7649798" cy="5120640"/>
           </a:xfrm>
         </p:spPr>
         <p:txBody>
@@ -4799,26 +4746,27 @@
           </a:p>
           <a:p>
             <a:r>
+              <a:rPr lang="en-US" sz="2400" dirty="0"/>
+              <a:t>Focused on extracting lexical and syntactic features from </a:t>
+            </a:r>
+            <a:r>
               <a:rPr lang="en-US" sz="2400" dirty="0" smtClean="0"/>
-              <a:t>Focus: feature engineering</a:t>
-            </a:r>
+              <a:t>corpus</a:t>
+            </a:r>
+            <a:endParaRPr lang="en-US" sz="2400" dirty="0" smtClean="0"/>
           </a:p>
           <a:p>
             <a:r>
               <a:rPr lang="en-US" sz="2400" dirty="0" smtClean="0"/>
-              <a:t>Final System </a:t>
+              <a:t>Final </a:t>
             </a:r>
             <a:r>
               <a:rPr lang="en-US" sz="2400" dirty="0" smtClean="0"/>
-              <a:t>= </a:t>
+              <a:t>System = POS tags + NER labels + Brown </a:t>
             </a:r>
             <a:r>
               <a:rPr lang="en-US" sz="2400" dirty="0" smtClean="0"/>
-              <a:t>POS tags + NER labels + Brown </a:t>
-            </a:r>
-            <a:r>
-              <a:rPr lang="en-US" sz="2400" dirty="0" smtClean="0"/>
-              <a:t>Cluster identities</a:t>
+              <a:t>Cluster</a:t>
             </a:r>
             <a:endParaRPr lang="en-US" sz="2400" dirty="0" smtClean="0"/>
           </a:p>
@@ -4904,8 +4852,20 @@
               <a:t> </a:t>
             </a:r>
             <a:r>
+              <a:rPr lang="en-US" sz="2400" dirty="0"/>
+              <a:t>NLTK </a:t>
+            </a:r>
+            <a:r>
+              <a:rPr lang="mr-IN" sz="2400" dirty="0"/>
+              <a:t>– </a:t>
+            </a:r>
+            <a:r>
+              <a:rPr lang="en-US" sz="2400" dirty="0"/>
+              <a:t>word tokenize, sent tokenize, </a:t>
+            </a:r>
+            <a:r>
               <a:rPr lang="en-US" sz="2400" dirty="0" smtClean="0"/>
-              <a:t>NLTK </a:t>
+              <a:t>FreqDist</a:t>
             </a:r>
             <a:endParaRPr lang="en-US" sz="2400" dirty="0" smtClean="0"/>
           </a:p>
@@ -4918,7 +4878,6 @@
               <a:rPr lang="en-US" sz="2400" dirty="0" smtClean="0"/>
               <a:t>CoreNLP </a:t>
             </a:r>
-            <a:endParaRPr lang="en-US" sz="2400" dirty="0" smtClean="0"/>
           </a:p>
           <a:p>
             <a:r>
@@ -4936,25 +4895,21 @@
               <a:t> </a:t>
             </a:r>
             <a:r>
+              <a:rPr lang="en-US" sz="2400" dirty="0"/>
+              <a:t>scikits.learn.SVR</a:t>
+            </a:r>
+            <a:endParaRPr lang="en-US" sz="2400" dirty="0" smtClean="0"/>
+          </a:p>
+          <a:p>
+            <a:r>
               <a:rPr lang="en-US" sz="2400" dirty="0" smtClean="0"/>
-              <a:t>scikits.learn</a:t>
+              <a:t> </a:t>
+            </a:r>
+            <a:r>
+              <a:rPr lang="en-US" sz="2400" dirty="0" smtClean="0"/>
+              <a:t>scipy.stats.spearmanr </a:t>
             </a:r>
             <a:endParaRPr lang="en-US" sz="2400" dirty="0"/>
-          </a:p>
-          <a:p>
-            <a:r>
-              <a:rPr lang="en-US" sz="2400" dirty="0"/>
-              <a:t> </a:t>
-            </a:r>
-            <a:r>
-              <a:rPr lang="en-US" sz="2400" dirty="0" smtClean="0"/>
-              <a:t>S</a:t>
-            </a:r>
-            <a:r>
-              <a:rPr lang="en-US" sz="2400" dirty="0" smtClean="0"/>
-              <a:t>ciPy</a:t>
-            </a:r>
-            <a:endParaRPr lang="en-US" dirty="0"/>
           </a:p>
         </p:txBody>
       </p:sp>
@@ -5087,15 +5042,7 @@
           <a:p>
             <a:r>
               <a:rPr lang="en-US" sz="2400" dirty="0" smtClean="0"/>
-              <a:t>Mapped </a:t>
-            </a:r>
-            <a:r>
-              <a:rPr lang="en-US" sz="2400" dirty="0" smtClean="0"/>
-              <a:t>tokens to </a:t>
-            </a:r>
-            <a:r>
-              <a:rPr lang="en-US" sz="2400" dirty="0" smtClean="0"/>
-              <a:t>tags/clusters</a:t>
+              <a:t>Mapped tokens to tags/clusters</a:t>
             </a:r>
           </a:p>
           <a:p>
@@ -5108,27 +5055,7 @@
             </a:r>
             <a:r>
               <a:rPr lang="en-US" sz="2200" dirty="0" smtClean="0"/>
-              <a:t>  </a:t>
-            </a:r>
-            <a:r>
-              <a:rPr lang="en-US" sz="2200" dirty="0" smtClean="0"/>
-              <a:t>Calculated </a:t>
-            </a:r>
-            <a:r>
-              <a:rPr lang="en-US" sz="2200" dirty="0" smtClean="0"/>
-              <a:t>distribution </a:t>
-            </a:r>
-            <a:r>
-              <a:rPr lang="en-US" sz="2200" dirty="0" smtClean="0"/>
-              <a:t>over </a:t>
-            </a:r>
-            <a:r>
-              <a:rPr lang="en-US" sz="2200" dirty="0" smtClean="0"/>
-              <a:t>the </a:t>
-            </a:r>
-            <a:r>
-              <a:rPr lang="en-US" sz="2200" dirty="0" smtClean="0"/>
-              <a:t>tags/clusters</a:t>
+              <a:t>  Calculated distribution over the tags/clusters</a:t>
             </a:r>
           </a:p>
           <a:p>
@@ -5141,11 +5068,7 @@
             </a:r>
             <a:r>
               <a:rPr lang="en-US" sz="2400" dirty="0" smtClean="0"/>
-              <a:t>Generated </a:t>
-            </a:r>
-            <a:r>
-              <a:rPr lang="en-US" sz="2400" dirty="0" smtClean="0"/>
-              <a:t>vectors and concatenated</a:t>
+              <a:t>Generated vectors and concatenated</a:t>
             </a:r>
           </a:p>
           <a:p>
@@ -5259,15 +5182,7 @@
             </a:r>
             <a:r>
               <a:rPr lang="en-US" sz="2400" b="1" dirty="0" smtClean="0"/>
-              <a:t>Cross </a:t>
-            </a:r>
-            <a:r>
-              <a:rPr lang="en-US" sz="2400" b="1" dirty="0" smtClean="0"/>
-              <a:t>V</a:t>
-            </a:r>
-            <a:r>
-              <a:rPr lang="en-US" sz="2400" b="1" dirty="0" smtClean="0"/>
-              <a:t>alidation</a:t>
+              <a:t>Cross Validation</a:t>
             </a:r>
             <a:endParaRPr lang="en-US" sz="2400" dirty="0"/>
           </a:p>
@@ -5376,11 +5291,7 @@
           <a:p>
             <a:r>
               <a:rPr lang="en-US" sz="2400" dirty="0" smtClean="0"/>
-              <a:t>Classical </a:t>
-            </a:r>
-            <a:r>
-              <a:rPr lang="en-US" sz="2400" dirty="0" smtClean="0"/>
-              <a:t>features</a:t>
+              <a:t>Classical features</a:t>
             </a:r>
           </a:p>
           <a:p>
@@ -5463,10 +5374,6 @@
             <a:r>
               <a:rPr lang="en-US" dirty="0"/>
               <a:t>Experiments </a:t>
-            </a:r>
-            <a:r>
-              <a:rPr lang="en-US" dirty="0"/>
-              <a:t/>
             </a:r>
             <a:br>
               <a:rPr lang="en-US" dirty="0"/>
@@ -5662,10 +5569,6 @@
             <a:r>
               <a:rPr lang="en-US" dirty="0"/>
               <a:t>Experiments </a:t>
-            </a:r>
-            <a:r>
-              <a:rPr lang="en-US" dirty="0"/>
-              <a:t/>
             </a:r>
             <a:br>
               <a:rPr lang="en-US" dirty="0"/>
